--- a/Manuscript/Images/Images.pptx
+++ b/Manuscript/Images/Images.pptx
@@ -5,18 +5,21 @@
     <p:sldMasterId id="2147483648" r:id="rId1"/>
   </p:sldMasterIdLst>
   <p:notesMasterIdLst>
-    <p:notesMasterId r:id="rId11"/>
+    <p:notesMasterId r:id="rId14"/>
   </p:notesMasterIdLst>
   <p:sldIdLst>
     <p:sldId id="256" r:id="rId2"/>
     <p:sldId id="257" r:id="rId3"/>
-    <p:sldId id="258" r:id="rId4"/>
-    <p:sldId id="259" r:id="rId5"/>
-    <p:sldId id="260" r:id="rId6"/>
-    <p:sldId id="261" r:id="rId7"/>
-    <p:sldId id="262" r:id="rId8"/>
-    <p:sldId id="263" r:id="rId9"/>
-    <p:sldId id="264" r:id="rId10"/>
+    <p:sldId id="265" r:id="rId4"/>
+    <p:sldId id="258" r:id="rId5"/>
+    <p:sldId id="259" r:id="rId6"/>
+    <p:sldId id="260" r:id="rId7"/>
+    <p:sldId id="261" r:id="rId8"/>
+    <p:sldId id="262" r:id="rId9"/>
+    <p:sldId id="263" r:id="rId10"/>
+    <p:sldId id="264" r:id="rId11"/>
+    <p:sldId id="266" r:id="rId12"/>
+    <p:sldId id="267" r:id="rId13"/>
   </p:sldIdLst>
   <p:sldSz cx="12192000" cy="6858000"/>
   <p:notesSz cx="6858000" cy="9144000"/>
@@ -115,6 +118,11 @@
       </a:defRPr>
     </a:lvl9pPr>
   </p:defaultTextStyle>
+  <p:extLst>
+    <p:ext uri="{EFAFB233-063F-42B5-8137-9DF3F51BA10A}">
+      <p15:sldGuideLst xmlns:p15="http://schemas.microsoft.com/office/powerpoint/2012/main"/>
+    </p:ext>
+  </p:extLst>
 </p:presentation>
 </file>
 
@@ -200,7 +208,7 @@
           <a:p>
             <a:fld id="{D4FA9137-48F1-47F5-BB3A-72631E2D1F68}" type="datetimeFigureOut">
               <a:rPr lang="en-US" smtClean="0"/>
-              <a:t>2/16/2023</a:t>
+              <a:t>2/21/2023</a:t>
             </a:fld>
             <a:endParaRPr lang="en-US"/>
           </a:p>
@@ -616,7 +624,7 @@
           <a:p>
             <a:fld id="{608C111B-113C-4915-96F1-766F989FFA9D}" type="slidenum">
               <a:rPr lang="en-US" smtClean="0"/>
-              <a:t>8</a:t>
+              <a:t>9</a:t>
             </a:fld>
             <a:endParaRPr lang="en-US"/>
           </a:p>
@@ -782,7 +790,7 @@
           <a:p>
             <a:fld id="{442405C2-706B-46C2-935C-21C2B679D2FB}" type="datetimeFigureOut">
               <a:rPr lang="en-US" smtClean="0"/>
-              <a:t>2/16/2023</a:t>
+              <a:t>2/21/2023</a:t>
             </a:fld>
             <a:endParaRPr lang="en-US"/>
           </a:p>
@@ -980,7 +988,7 @@
           <a:p>
             <a:fld id="{442405C2-706B-46C2-935C-21C2B679D2FB}" type="datetimeFigureOut">
               <a:rPr lang="en-US" smtClean="0"/>
-              <a:t>2/16/2023</a:t>
+              <a:t>2/21/2023</a:t>
             </a:fld>
             <a:endParaRPr lang="en-US"/>
           </a:p>
@@ -1188,7 +1196,7 @@
           <a:p>
             <a:fld id="{442405C2-706B-46C2-935C-21C2B679D2FB}" type="datetimeFigureOut">
               <a:rPr lang="en-US" smtClean="0"/>
-              <a:t>2/16/2023</a:t>
+              <a:t>2/21/2023</a:t>
             </a:fld>
             <a:endParaRPr lang="en-US"/>
           </a:p>
@@ -1386,7 +1394,7 @@
           <a:p>
             <a:fld id="{442405C2-706B-46C2-935C-21C2B679D2FB}" type="datetimeFigureOut">
               <a:rPr lang="en-US" smtClean="0"/>
-              <a:t>2/16/2023</a:t>
+              <a:t>2/21/2023</a:t>
             </a:fld>
             <a:endParaRPr lang="en-US"/>
           </a:p>
@@ -1661,7 +1669,7 @@
           <a:p>
             <a:fld id="{442405C2-706B-46C2-935C-21C2B679D2FB}" type="datetimeFigureOut">
               <a:rPr lang="en-US" smtClean="0"/>
-              <a:t>2/16/2023</a:t>
+              <a:t>2/21/2023</a:t>
             </a:fld>
             <a:endParaRPr lang="en-US"/>
           </a:p>
@@ -1926,7 +1934,7 @@
           <a:p>
             <a:fld id="{442405C2-706B-46C2-935C-21C2B679D2FB}" type="datetimeFigureOut">
               <a:rPr lang="en-US" smtClean="0"/>
-              <a:t>2/16/2023</a:t>
+              <a:t>2/21/2023</a:t>
             </a:fld>
             <a:endParaRPr lang="en-US"/>
           </a:p>
@@ -2338,7 +2346,7 @@
           <a:p>
             <a:fld id="{442405C2-706B-46C2-935C-21C2B679D2FB}" type="datetimeFigureOut">
               <a:rPr lang="en-US" smtClean="0"/>
-              <a:t>2/16/2023</a:t>
+              <a:t>2/21/2023</a:t>
             </a:fld>
             <a:endParaRPr lang="en-US"/>
           </a:p>
@@ -2479,7 +2487,7 @@
           <a:p>
             <a:fld id="{442405C2-706B-46C2-935C-21C2B679D2FB}" type="datetimeFigureOut">
               <a:rPr lang="en-US" smtClean="0"/>
-              <a:t>2/16/2023</a:t>
+              <a:t>2/21/2023</a:t>
             </a:fld>
             <a:endParaRPr lang="en-US"/>
           </a:p>
@@ -2592,7 +2600,7 @@
           <a:p>
             <a:fld id="{442405C2-706B-46C2-935C-21C2B679D2FB}" type="datetimeFigureOut">
               <a:rPr lang="en-US" smtClean="0"/>
-              <a:t>2/16/2023</a:t>
+              <a:t>2/21/2023</a:t>
             </a:fld>
             <a:endParaRPr lang="en-US"/>
           </a:p>
@@ -2903,7 +2911,7 @@
           <a:p>
             <a:fld id="{442405C2-706B-46C2-935C-21C2B679D2FB}" type="datetimeFigureOut">
               <a:rPr lang="en-US" smtClean="0"/>
-              <a:t>2/16/2023</a:t>
+              <a:t>2/21/2023</a:t>
             </a:fld>
             <a:endParaRPr lang="en-US"/>
           </a:p>
@@ -3191,7 +3199,7 @@
           <a:p>
             <a:fld id="{442405C2-706B-46C2-935C-21C2B679D2FB}" type="datetimeFigureOut">
               <a:rPr lang="en-US" smtClean="0"/>
-              <a:t>2/16/2023</a:t>
+              <a:t>2/21/2023</a:t>
             </a:fld>
             <a:endParaRPr lang="en-US"/>
           </a:p>
@@ -3432,7 +3440,7 @@
           <a:p>
             <a:fld id="{442405C2-706B-46C2-935C-21C2B679D2FB}" type="datetimeFigureOut">
               <a:rPr lang="en-US" smtClean="0"/>
-              <a:t>2/16/2023</a:t>
+              <a:t>2/21/2023</a:t>
             </a:fld>
             <a:endParaRPr lang="en-US"/>
           </a:p>
@@ -3851,10 +3859,10 @@
       </p:grpSpPr>
       <p:grpSp>
         <p:nvGrpSpPr>
-          <p:cNvPr id="24" name="Group 23">
-            <a:extLst>
-              <a:ext uri="{FF2B5EF4-FFF2-40B4-BE49-F238E27FC236}">
-                <a16:creationId xmlns:a16="http://schemas.microsoft.com/office/drawing/2014/main" id="{1A8C3979-2ED8-8FD6-ED80-4FA0EEA9147C}"/>
+          <p:cNvPr id="4" name="Group 3">
+            <a:extLst>
+              <a:ext uri="{FF2B5EF4-FFF2-40B4-BE49-F238E27FC236}">
+                <a16:creationId xmlns:a16="http://schemas.microsoft.com/office/drawing/2014/main" id="{F9D0A5F9-3FA9-CE86-7FA1-EC8769CB275D}"/>
               </a:ext>
             </a:extLst>
           </p:cNvPr>
@@ -3863,12 +3871,64 @@
         </p:nvGrpSpPr>
         <p:grpSpPr>
           <a:xfrm>
-            <a:off x="13192" y="-296"/>
-            <a:ext cx="12178808" cy="6802056"/>
-            <a:chOff x="13192" y="-296"/>
-            <a:chExt cx="12178808" cy="6802056"/>
+            <a:off x="836746" y="-491932"/>
+            <a:ext cx="10608721" cy="7756332"/>
+            <a:chOff x="836746" y="-491932"/>
+            <a:chExt cx="10608721" cy="7756332"/>
           </a:xfrm>
         </p:grpSpPr>
+        <p:sp>
+          <p:nvSpPr>
+            <p:cNvPr id="3" name="Rectangle 2">
+              <a:extLst>
+                <a:ext uri="{FF2B5EF4-FFF2-40B4-BE49-F238E27FC236}">
+                  <a16:creationId xmlns:a16="http://schemas.microsoft.com/office/drawing/2014/main" id="{B26727FC-A5F2-C906-01D8-FFCB7F79E59F}"/>
+                </a:ext>
+              </a:extLst>
+            </p:cNvPr>
+            <p:cNvSpPr/>
+            <p:nvPr/>
+          </p:nvSpPr>
+          <p:spPr>
+            <a:xfrm>
+              <a:off x="874846" y="-491932"/>
+              <a:ext cx="10570621" cy="7756332"/>
+            </a:xfrm>
+            <a:prstGeom prst="rect">
+              <a:avLst/>
+            </a:prstGeom>
+            <a:solidFill>
+              <a:schemeClr val="bg1"/>
+            </a:solidFill>
+            <a:ln>
+              <a:noFill/>
+            </a:ln>
+          </p:spPr>
+          <p:style>
+            <a:lnRef idx="2">
+              <a:schemeClr val="accent1">
+                <a:shade val="50000"/>
+              </a:schemeClr>
+            </a:lnRef>
+            <a:fillRef idx="1">
+              <a:schemeClr val="accent1"/>
+            </a:fillRef>
+            <a:effectRef idx="0">
+              <a:schemeClr val="accent1"/>
+            </a:effectRef>
+            <a:fontRef idx="minor">
+              <a:schemeClr val="lt1"/>
+            </a:fontRef>
+          </p:style>
+          <p:txBody>
+            <a:bodyPr rtlCol="0" anchor="ctr"/>
+            <a:lstStyle/>
+            <a:p>
+              <a:pPr algn="ctr"/>
+              <a:endParaRPr lang="en-US"/>
+            </a:p>
+          </p:txBody>
+        </p:sp>
         <p:pic>
           <p:nvPicPr>
             <p:cNvPr id="5" name="Picture 4">
@@ -3891,48 +3951,13 @@
                 </a:ext>
               </a:extLst>
             </a:blip>
-            <a:srcRect l="8630" t="4203" r="7715" b="4955"/>
+            <a:srcRect l="7880" t="3425" r="6334" b="7023"/>
             <a:stretch/>
           </p:blipFill>
           <p:spPr>
             <a:xfrm>
-              <a:off x="13192" y="-1"/>
-              <a:ext cx="12178808" cy="6362849"/>
-            </a:xfrm>
-            <a:prstGeom prst="rect">
-              <a:avLst/>
-            </a:prstGeom>
-          </p:spPr>
-        </p:pic>
-        <p:pic>
-          <p:nvPicPr>
-            <p:cNvPr id="7" name="Picture 6" descr="A picture containing text&#10;&#10;Description automatically generated">
-              <a:extLst>
-                <a:ext uri="{FF2B5EF4-FFF2-40B4-BE49-F238E27FC236}">
-                  <a16:creationId xmlns:a16="http://schemas.microsoft.com/office/drawing/2014/main" id="{7C049BFF-89D2-1D93-05FC-D1CD7C063580}"/>
-                </a:ext>
-              </a:extLst>
-            </p:cNvPr>
-            <p:cNvPicPr>
-              <a:picLocks noChangeAspect="1"/>
-            </p:cNvPicPr>
-            <p:nvPr/>
-          </p:nvPicPr>
-          <p:blipFill rotWithShape="1">
-            <a:blip r:embed="rId4">
-              <a:extLst>
-                <a:ext uri="{28A0092B-C50C-407E-A947-70E740481C1C}">
-                  <a14:useLocalDpi xmlns:a14="http://schemas.microsoft.com/office/drawing/2010/main" val="0"/>
-                </a:ext>
-              </a:extLst>
-            </a:blip>
-            <a:srcRect l="1808" t="13850" r="1906" b="10110"/>
-            <a:stretch/>
-          </p:blipFill>
-          <p:spPr>
-            <a:xfrm>
-              <a:off x="9867924" y="6362848"/>
-              <a:ext cx="2324076" cy="438912"/>
+              <a:off x="959667" y="-466532"/>
+              <a:ext cx="10447700" cy="7211364"/>
             </a:xfrm>
             <a:prstGeom prst="rect">
               <a:avLst/>
@@ -3953,7 +3978,7 @@
           </p:nvSpPr>
           <p:spPr>
             <a:xfrm>
-              <a:off x="237744" y="10520"/>
+              <a:off x="929714" y="-407328"/>
               <a:ext cx="442750" cy="369332"/>
             </a:xfrm>
             <a:prstGeom prst="rect">
@@ -3991,7 +4016,7 @@
           </p:nvSpPr>
           <p:spPr>
             <a:xfrm>
-              <a:off x="4215384" y="10520"/>
+              <a:off x="4401945" y="-340904"/>
               <a:ext cx="453970" cy="369332"/>
             </a:xfrm>
             <a:prstGeom prst="rect">
@@ -4029,7 +4054,7 @@
           </p:nvSpPr>
           <p:spPr>
             <a:xfrm>
-              <a:off x="8372856" y="-296"/>
+              <a:off x="7844220" y="-407328"/>
               <a:ext cx="442750" cy="369332"/>
             </a:xfrm>
             <a:prstGeom prst="rect">
@@ -4038,7 +4063,7 @@
             <a:noFill/>
           </p:spPr>
           <p:txBody>
-            <a:bodyPr wrap="none" rtlCol="0">
+            <a:bodyPr wrap="square" rtlCol="0">
               <a:spAutoFit/>
             </a:bodyPr>
             <a:lstStyle/>
@@ -4067,7 +4092,7 @@
           </p:nvSpPr>
           <p:spPr>
             <a:xfrm>
-              <a:off x="237744" y="1955144"/>
+              <a:off x="836746" y="1952879"/>
               <a:ext cx="453970" cy="369332"/>
             </a:xfrm>
             <a:prstGeom prst="rect">
@@ -4143,7 +4168,7 @@
           </p:nvSpPr>
           <p:spPr>
             <a:xfrm>
-              <a:off x="8446008" y="1955144"/>
+              <a:off x="7935113" y="1952879"/>
               <a:ext cx="393056" cy="369332"/>
             </a:xfrm>
             <a:prstGeom prst="rect">
@@ -4181,7 +4206,7 @@
           </p:nvSpPr>
           <p:spPr>
             <a:xfrm>
-              <a:off x="237744" y="4114652"/>
+              <a:off x="959667" y="4348855"/>
               <a:ext cx="442750" cy="369332"/>
             </a:xfrm>
             <a:prstGeom prst="rect">
@@ -4219,7 +4244,7 @@
           </p:nvSpPr>
           <p:spPr>
             <a:xfrm>
-              <a:off x="4413165" y="4079452"/>
+              <a:off x="4413165" y="4276704"/>
               <a:ext cx="450764" cy="369332"/>
             </a:xfrm>
             <a:prstGeom prst="rect">
@@ -4257,7 +4282,7 @@
           </p:nvSpPr>
           <p:spPr>
             <a:xfrm>
-              <a:off x="8446008" y="4079452"/>
+              <a:off x="7683759" y="4292823"/>
               <a:ext cx="381836" cy="369332"/>
             </a:xfrm>
             <a:prstGeom prst="rect">
@@ -4281,6 +4306,36 @@
             </a:p>
           </p:txBody>
         </p:sp>
+        <p:pic>
+          <p:nvPicPr>
+            <p:cNvPr id="2" name="Picture 1">
+              <a:extLst>
+                <a:ext uri="{FF2B5EF4-FFF2-40B4-BE49-F238E27FC236}">
+                  <a16:creationId xmlns:a16="http://schemas.microsoft.com/office/drawing/2014/main" id="{CA6C718D-0BA7-2D39-F01F-5A148DAC97BE}"/>
+                </a:ext>
+              </a:extLst>
+            </p:cNvPr>
+            <p:cNvPicPr>
+              <a:picLocks noChangeAspect="1"/>
+            </p:cNvPicPr>
+            <p:nvPr/>
+          </p:nvPicPr>
+          <p:blipFill>
+            <a:blip r:embed="rId4"/>
+            <a:stretch>
+              <a:fillRect/>
+            </a:stretch>
+          </p:blipFill>
+          <p:spPr>
+            <a:xfrm>
+              <a:off x="9084590" y="6757532"/>
+              <a:ext cx="2322777" cy="438950"/>
+            </a:xfrm>
+            <a:prstGeom prst="rect">
+              <a:avLst/>
+            </a:prstGeom>
+          </p:spPr>
+        </p:pic>
       </p:grpSp>
     </p:spTree>
     <p:extLst>
@@ -4295,7 +4350,7 @@
 </p:sld>
 </file>
 
-<file path=ppt/slides/slide2.xml><?xml version="1.0" encoding="utf-8"?>
+<file path=ppt/slides/slide10.xml><?xml version="1.0" encoding="utf-8"?>
 <p:sld xmlns:a="http://schemas.openxmlformats.org/drawingml/2006/main" xmlns:r="http://schemas.openxmlformats.org/officeDocument/2006/relationships" xmlns:p="http://schemas.openxmlformats.org/presentationml/2006/main">
   <p:cSld>
     <p:spTree>
@@ -4314,10 +4369,10 @@
       </p:grpSpPr>
       <p:pic>
         <p:nvPicPr>
-          <p:cNvPr id="16" name="Picture 15">
-            <a:extLst>
-              <a:ext uri="{FF2B5EF4-FFF2-40B4-BE49-F238E27FC236}">
-                <a16:creationId xmlns:a16="http://schemas.microsoft.com/office/drawing/2014/main" id="{8302D8CB-A19F-D0AE-E60E-6016D0C820C6}"/>
+          <p:cNvPr id="3" name="Picture 2">
+            <a:extLst>
+              <a:ext uri="{FF2B5EF4-FFF2-40B4-BE49-F238E27FC236}">
+                <a16:creationId xmlns:a16="http://schemas.microsoft.com/office/drawing/2014/main" id="{8D2FFED1-2A1C-6EA7-E3FC-EBEA5280F8D8}"/>
               </a:ext>
             </a:extLst>
           </p:cNvPr>
@@ -4334,8 +4389,8 @@
         </p:blipFill>
         <p:spPr>
           <a:xfrm>
-            <a:off x="5568" y="8847"/>
-            <a:ext cx="12180864" cy="6840305"/>
+            <a:off x="-1868555" y="300790"/>
+            <a:ext cx="12768620" cy="5015086"/>
           </a:xfrm>
           <a:prstGeom prst="rect">
             <a:avLst/>
@@ -4345,7 +4400,7 @@
     </p:spTree>
     <p:extLst>
       <p:ext uri="{BB962C8B-B14F-4D97-AF65-F5344CB8AC3E}">
-        <p14:creationId xmlns:p14="http://schemas.microsoft.com/office/powerpoint/2010/main" val="3673174606"/>
+        <p14:creationId xmlns:p14="http://schemas.microsoft.com/office/powerpoint/2010/main" val="3468435351"/>
       </p:ext>
     </p:extLst>
   </p:cSld>
@@ -4355,7 +4410,7 @@
 </p:sld>
 </file>
 
-<file path=ppt/slides/slide3.xml><?xml version="1.0" encoding="utf-8"?>
+<file path=ppt/slides/slide11.xml><?xml version="1.0" encoding="utf-8"?>
 <p:sld xmlns:a="http://schemas.openxmlformats.org/drawingml/2006/main" xmlns:r="http://schemas.openxmlformats.org/officeDocument/2006/relationships" xmlns:p="http://schemas.openxmlformats.org/presentationml/2006/main">
   <p:cSld>
     <p:spTree>
@@ -4374,10 +4429,10 @@
       </p:grpSpPr>
       <p:grpSp>
         <p:nvGrpSpPr>
-          <p:cNvPr id="8" name="Group 7">
-            <a:extLst>
-              <a:ext uri="{FF2B5EF4-FFF2-40B4-BE49-F238E27FC236}">
-                <a16:creationId xmlns:a16="http://schemas.microsoft.com/office/drawing/2014/main" id="{A26F5274-1716-CD8B-CF64-3099AD6D3228}"/>
+          <p:cNvPr id="24" name="Group 23">
+            <a:extLst>
+              <a:ext uri="{FF2B5EF4-FFF2-40B4-BE49-F238E27FC236}">
+                <a16:creationId xmlns:a16="http://schemas.microsoft.com/office/drawing/2014/main" id="{2C2AD599-DEF0-53BD-32AA-52E758538C2A}"/>
               </a:ext>
             </a:extLst>
           </p:cNvPr>
@@ -4386,18 +4441,18 @@
         </p:nvGrpSpPr>
         <p:grpSpPr>
           <a:xfrm>
-            <a:off x="896112" y="374902"/>
-            <a:ext cx="10085832" cy="5577841"/>
-            <a:chOff x="896112" y="374902"/>
-            <a:chExt cx="10085832" cy="5577841"/>
+            <a:off x="0" y="-28813"/>
+            <a:ext cx="11652532" cy="7544038"/>
+            <a:chOff x="0" y="-28813"/>
+            <a:chExt cx="11652532" cy="7544038"/>
           </a:xfrm>
         </p:grpSpPr>
         <p:sp>
           <p:nvSpPr>
-            <p:cNvPr id="7" name="Rectangle 6">
+            <p:cNvPr id="23" name="Rectangle 22">
               <a:extLst>
                 <a:ext uri="{FF2B5EF4-FFF2-40B4-BE49-F238E27FC236}">
-                  <a16:creationId xmlns:a16="http://schemas.microsoft.com/office/drawing/2014/main" id="{B3F23327-85EB-C1B7-2EC2-EE3EF79F3EB3}"/>
+                  <a16:creationId xmlns:a16="http://schemas.microsoft.com/office/drawing/2014/main" id="{3F2AE546-BF18-EDF3-4C6B-04C0D522DDF5}"/>
                 </a:ext>
               </a:extLst>
             </p:cNvPr>
@@ -4406,8 +4461,8 @@
           </p:nvSpPr>
           <p:spPr>
             <a:xfrm>
-              <a:off x="896112" y="374902"/>
-              <a:ext cx="10085832" cy="5577841"/>
+              <a:off x="0" y="-28813"/>
+              <a:ext cx="11439525" cy="7544038"/>
             </a:xfrm>
             <a:prstGeom prst="rect">
               <a:avLst/>
@@ -4446,10 +4501,46 @@
         </p:sp>
         <p:pic>
           <p:nvPicPr>
-            <p:cNvPr id="5" name="Picture 4" descr="Diagram, engineering drawing&#10;&#10;Description automatically generated">
+            <p:cNvPr id="6" name="Picture 5" descr="Chart&#10;&#10;Description automatically generated">
               <a:extLst>
                 <a:ext uri="{FF2B5EF4-FFF2-40B4-BE49-F238E27FC236}">
-                  <a16:creationId xmlns:a16="http://schemas.microsoft.com/office/drawing/2014/main" id="{BB5E4E2D-0BB7-2F0F-5613-86C330403614}"/>
+                  <a16:creationId xmlns:a16="http://schemas.microsoft.com/office/drawing/2014/main" id="{FA32F406-3F2E-FF1E-0123-EDE754F2D008}"/>
+                </a:ext>
+              </a:extLst>
+            </p:cNvPr>
+            <p:cNvPicPr>
+              <a:picLocks noChangeAspect="1"/>
+            </p:cNvPicPr>
+            <p:nvPr/>
+          </p:nvPicPr>
+          <p:blipFill>
+            <a:blip r:embed="rId2">
+              <a:extLst>
+                <a:ext uri="{28A0092B-C50C-407E-A947-70E740481C1C}">
+                  <a14:useLocalDpi xmlns:a14="http://schemas.microsoft.com/office/drawing/2010/main" val="0"/>
+                </a:ext>
+              </a:extLst>
+            </a:blip>
+            <a:stretch>
+              <a:fillRect/>
+            </a:stretch>
+          </p:blipFill>
+          <p:spPr>
+            <a:xfrm>
+              <a:off x="6895831" y="0"/>
+              <a:ext cx="4756701" cy="3566160"/>
+            </a:xfrm>
+            <a:prstGeom prst="rect">
+              <a:avLst/>
+            </a:prstGeom>
+          </p:spPr>
+        </p:pic>
+        <p:pic>
+          <p:nvPicPr>
+            <p:cNvPr id="8" name="Picture 7" descr="Chart, histogram&#10;&#10;Description automatically generated">
+              <a:extLst>
+                <a:ext uri="{FF2B5EF4-FFF2-40B4-BE49-F238E27FC236}">
+                  <a16:creationId xmlns:a16="http://schemas.microsoft.com/office/drawing/2014/main" id="{CCD10D8B-5EF1-5D13-F04A-F0E52254BC49}"/>
                 </a:ext>
               </a:extLst>
             </p:cNvPr>
@@ -4459,20 +4550,20 @@
             <p:nvPr/>
           </p:nvPicPr>
           <p:blipFill rotWithShape="1">
-            <a:blip r:embed="rId2">
+            <a:blip r:embed="rId3">
               <a:extLst>
                 <a:ext uri="{28A0092B-C50C-407E-A947-70E740481C1C}">
                   <a14:useLocalDpi xmlns:a14="http://schemas.microsoft.com/office/drawing/2010/main" val="0"/>
                 </a:ext>
               </a:extLst>
             </a:blip>
-            <a:srcRect l="9150" t="4463" r="8725" b="34920"/>
+            <a:srcRect r="29820"/>
             <a:stretch/>
           </p:blipFill>
           <p:spPr>
             <a:xfrm>
-              <a:off x="896112" y="374903"/>
-              <a:ext cx="10012680" cy="3675889"/>
+              <a:off x="3557559" y="24765"/>
+              <a:ext cx="3338271" cy="3566160"/>
             </a:xfrm>
             <a:prstGeom prst="rect">
               <a:avLst/>
@@ -4481,10 +4572,10 @@
         </p:pic>
         <p:pic>
           <p:nvPicPr>
-            <p:cNvPr id="6" name="Picture 5">
+            <p:cNvPr id="10" name="Picture 9" descr="Chart&#10;&#10;Description automatically generated">
               <a:extLst>
                 <a:ext uri="{FF2B5EF4-FFF2-40B4-BE49-F238E27FC236}">
-                  <a16:creationId xmlns:a16="http://schemas.microsoft.com/office/drawing/2014/main" id="{A1680FD6-20F7-8581-E0BC-0115B9D013D7}"/>
+                  <a16:creationId xmlns:a16="http://schemas.microsoft.com/office/drawing/2014/main" id="{317A9950-40CE-88CB-68E5-1047F0E3232F}"/>
                 </a:ext>
               </a:extLst>
             </p:cNvPr>
@@ -4494,25 +4585,543 @@
             <p:nvPr/>
           </p:nvPicPr>
           <p:blipFill rotWithShape="1">
-            <a:blip r:embed="rId3"/>
-            <a:srcRect t="66628" r="24595"/>
+            <a:blip r:embed="rId4">
+              <a:extLst>
+                <a:ext uri="{28A0092B-C50C-407E-A947-70E740481C1C}">
+                  <a14:useLocalDpi xmlns:a14="http://schemas.microsoft.com/office/drawing/2010/main" val="0"/>
+                </a:ext>
+              </a:extLst>
+            </a:blip>
+            <a:srcRect r="29820"/>
             <a:stretch/>
           </p:blipFill>
           <p:spPr>
             <a:xfrm>
-              <a:off x="2125980" y="4050792"/>
-              <a:ext cx="7552944" cy="1835134"/>
+              <a:off x="219290" y="0"/>
+              <a:ext cx="3338271" cy="3566160"/>
             </a:xfrm>
             <a:prstGeom prst="rect">
               <a:avLst/>
             </a:prstGeom>
           </p:spPr>
         </p:pic>
+        <p:pic>
+          <p:nvPicPr>
+            <p:cNvPr id="12" name="Picture 11" descr="Chart&#10;&#10;Description automatically generated">
+              <a:extLst>
+                <a:ext uri="{FF2B5EF4-FFF2-40B4-BE49-F238E27FC236}">
+                  <a16:creationId xmlns:a16="http://schemas.microsoft.com/office/drawing/2014/main" id="{0A063B09-2056-19BC-C600-EB990C0D5029}"/>
+                </a:ext>
+              </a:extLst>
+            </p:cNvPr>
+            <p:cNvPicPr>
+              <a:picLocks noChangeAspect="1"/>
+            </p:cNvPicPr>
+            <p:nvPr/>
+          </p:nvPicPr>
+          <p:blipFill rotWithShape="1">
+            <a:blip r:embed="rId5">
+              <a:extLst>
+                <a:ext uri="{28A0092B-C50C-407E-A947-70E740481C1C}">
+                  <a14:useLocalDpi xmlns:a14="http://schemas.microsoft.com/office/drawing/2010/main" val="0"/>
+                </a:ext>
+              </a:extLst>
+            </a:blip>
+            <a:srcRect r="29820"/>
+            <a:stretch/>
+          </p:blipFill>
+          <p:spPr>
+            <a:xfrm>
+              <a:off x="219289" y="3547110"/>
+              <a:ext cx="3338271" cy="3566160"/>
+            </a:xfrm>
+            <a:prstGeom prst="rect">
+              <a:avLst/>
+            </a:prstGeom>
+          </p:spPr>
+        </p:pic>
+        <p:pic>
+          <p:nvPicPr>
+            <p:cNvPr id="14" name="Picture 13" descr="Chart, line chart&#10;&#10;Description automatically generated">
+              <a:extLst>
+                <a:ext uri="{FF2B5EF4-FFF2-40B4-BE49-F238E27FC236}">
+                  <a16:creationId xmlns:a16="http://schemas.microsoft.com/office/drawing/2014/main" id="{5A6AD818-3163-35A0-9B3C-274264AA19FB}"/>
+                </a:ext>
+              </a:extLst>
+            </p:cNvPr>
+            <p:cNvPicPr>
+              <a:picLocks noChangeAspect="1"/>
+            </p:cNvPicPr>
+            <p:nvPr/>
+          </p:nvPicPr>
+          <p:blipFill rotWithShape="1">
+            <a:blip r:embed="rId6">
+              <a:extLst>
+                <a:ext uri="{28A0092B-C50C-407E-A947-70E740481C1C}">
+                  <a14:useLocalDpi xmlns:a14="http://schemas.microsoft.com/office/drawing/2010/main" val="0"/>
+                </a:ext>
+              </a:extLst>
+            </a:blip>
+            <a:srcRect r="29820"/>
+            <a:stretch/>
+          </p:blipFill>
+          <p:spPr>
+            <a:xfrm>
+              <a:off x="3557560" y="3562350"/>
+              <a:ext cx="3338271" cy="3566160"/>
+            </a:xfrm>
+            <a:prstGeom prst="rect">
+              <a:avLst/>
+            </a:prstGeom>
+          </p:spPr>
+        </p:pic>
+        <p:pic>
+          <p:nvPicPr>
+            <p:cNvPr id="16" name="Picture 15" descr="Chart, line chart&#10;&#10;Description automatically generated">
+              <a:extLst>
+                <a:ext uri="{FF2B5EF4-FFF2-40B4-BE49-F238E27FC236}">
+                  <a16:creationId xmlns:a16="http://schemas.microsoft.com/office/drawing/2014/main" id="{42B1B1B5-BEA0-EF32-346D-A45D96923848}"/>
+                </a:ext>
+              </a:extLst>
+            </p:cNvPr>
+            <p:cNvPicPr>
+              <a:picLocks noChangeAspect="1"/>
+            </p:cNvPicPr>
+            <p:nvPr/>
+          </p:nvPicPr>
+          <p:blipFill rotWithShape="1">
+            <a:blip r:embed="rId7">
+              <a:extLst>
+                <a:ext uri="{28A0092B-C50C-407E-A947-70E740481C1C}">
+                  <a14:useLocalDpi xmlns:a14="http://schemas.microsoft.com/office/drawing/2010/main" val="0"/>
+                </a:ext>
+              </a:extLst>
+            </a:blip>
+            <a:srcRect r="29820"/>
+            <a:stretch/>
+          </p:blipFill>
+          <p:spPr>
+            <a:xfrm>
+              <a:off x="6895829" y="3553778"/>
+              <a:ext cx="3338271" cy="3566160"/>
+            </a:xfrm>
+            <a:prstGeom prst="rect">
+              <a:avLst/>
+            </a:prstGeom>
+          </p:spPr>
+        </p:pic>
+        <p:sp>
+          <p:nvSpPr>
+            <p:cNvPr id="17" name="TextBox 16">
+              <a:extLst>
+                <a:ext uri="{FF2B5EF4-FFF2-40B4-BE49-F238E27FC236}">
+                  <a16:creationId xmlns:a16="http://schemas.microsoft.com/office/drawing/2014/main" id="{35CC631D-6A67-2B1D-6EFE-684C2110B0AE}"/>
+                </a:ext>
+              </a:extLst>
+            </p:cNvPr>
+            <p:cNvSpPr txBox="1"/>
+            <p:nvPr/>
+          </p:nvSpPr>
+          <p:spPr>
+            <a:xfrm>
+              <a:off x="0" y="24765"/>
+              <a:ext cx="442750" cy="369332"/>
+            </a:xfrm>
+            <a:prstGeom prst="rect">
+              <a:avLst/>
+            </a:prstGeom>
+            <a:noFill/>
+          </p:spPr>
+          <p:txBody>
+            <a:bodyPr wrap="none" rtlCol="0">
+              <a:spAutoFit/>
+            </a:bodyPr>
+            <a:lstStyle/>
+            <a:p>
+              <a:r>
+                <a:rPr lang="en-US" dirty="0">
+                  <a:latin typeface="Source Sans Pro" panose="020B0503030403020204" pitchFamily="34" charset="0"/>
+                  <a:ea typeface="Source Sans Pro" panose="020B0503030403020204" pitchFamily="34" charset="0"/>
+                </a:rPr>
+                <a:t>(a)</a:t>
+              </a:r>
+            </a:p>
+          </p:txBody>
+        </p:sp>
+        <p:sp>
+          <p:nvSpPr>
+            <p:cNvPr id="18" name="TextBox 17">
+              <a:extLst>
+                <a:ext uri="{FF2B5EF4-FFF2-40B4-BE49-F238E27FC236}">
+                  <a16:creationId xmlns:a16="http://schemas.microsoft.com/office/drawing/2014/main" id="{746E5B41-876E-96B1-45B9-3D8BEDEBBBE1}"/>
+                </a:ext>
+              </a:extLst>
+            </p:cNvPr>
+            <p:cNvSpPr txBox="1"/>
+            <p:nvPr/>
+          </p:nvSpPr>
+          <p:spPr>
+            <a:xfrm>
+              <a:off x="3432203" y="-24765"/>
+              <a:ext cx="453970" cy="369332"/>
+            </a:xfrm>
+            <a:prstGeom prst="rect">
+              <a:avLst/>
+            </a:prstGeom>
+            <a:noFill/>
+          </p:spPr>
+          <p:txBody>
+            <a:bodyPr wrap="none" rtlCol="0">
+              <a:spAutoFit/>
+            </a:bodyPr>
+            <a:lstStyle/>
+            <a:p>
+              <a:r>
+                <a:rPr lang="en-US" dirty="0">
+                  <a:latin typeface="Source Sans Pro" panose="020B0503030403020204" pitchFamily="34" charset="0"/>
+                  <a:ea typeface="Source Sans Pro" panose="020B0503030403020204" pitchFamily="34" charset="0"/>
+                </a:rPr>
+                <a:t>(b)</a:t>
+              </a:r>
+            </a:p>
+          </p:txBody>
+        </p:sp>
+        <p:sp>
+          <p:nvSpPr>
+            <p:cNvPr id="19" name="TextBox 18">
+              <a:extLst>
+                <a:ext uri="{FF2B5EF4-FFF2-40B4-BE49-F238E27FC236}">
+                  <a16:creationId xmlns:a16="http://schemas.microsoft.com/office/drawing/2014/main" id="{EA17B7E0-BA49-0BC2-8D05-2E15C5E29DD5}"/>
+                </a:ext>
+              </a:extLst>
+            </p:cNvPr>
+            <p:cNvSpPr txBox="1"/>
+            <p:nvPr/>
+          </p:nvSpPr>
+          <p:spPr>
+            <a:xfrm>
+              <a:off x="6770474" y="-28813"/>
+              <a:ext cx="442750" cy="369332"/>
+            </a:xfrm>
+            <a:prstGeom prst="rect">
+              <a:avLst/>
+            </a:prstGeom>
+            <a:noFill/>
+          </p:spPr>
+          <p:txBody>
+            <a:bodyPr wrap="none" rtlCol="0">
+              <a:spAutoFit/>
+            </a:bodyPr>
+            <a:lstStyle/>
+            <a:p>
+              <a:r>
+                <a:rPr lang="en-US" dirty="0">
+                  <a:latin typeface="Source Sans Pro" panose="020B0503030403020204" pitchFamily="34" charset="0"/>
+                  <a:ea typeface="Source Sans Pro" panose="020B0503030403020204" pitchFamily="34" charset="0"/>
+                </a:rPr>
+                <a:t>(c)</a:t>
+              </a:r>
+            </a:p>
+          </p:txBody>
+        </p:sp>
+        <p:sp>
+          <p:nvSpPr>
+            <p:cNvPr id="20" name="TextBox 19">
+              <a:extLst>
+                <a:ext uri="{FF2B5EF4-FFF2-40B4-BE49-F238E27FC236}">
+                  <a16:creationId xmlns:a16="http://schemas.microsoft.com/office/drawing/2014/main" id="{E12AAF90-4639-E175-ACB1-6178E78C25DE}"/>
+                </a:ext>
+              </a:extLst>
+            </p:cNvPr>
+            <p:cNvSpPr txBox="1"/>
+            <p:nvPr/>
+          </p:nvSpPr>
+          <p:spPr>
+            <a:xfrm>
+              <a:off x="0" y="3487817"/>
+              <a:ext cx="453970" cy="369332"/>
+            </a:xfrm>
+            <a:prstGeom prst="rect">
+              <a:avLst/>
+            </a:prstGeom>
+            <a:noFill/>
+          </p:spPr>
+          <p:txBody>
+            <a:bodyPr wrap="none" rtlCol="0">
+              <a:spAutoFit/>
+            </a:bodyPr>
+            <a:lstStyle/>
+            <a:p>
+              <a:r>
+                <a:rPr lang="en-US" dirty="0">
+                  <a:latin typeface="Source Sans Pro" panose="020B0503030403020204" pitchFamily="34" charset="0"/>
+                  <a:ea typeface="Source Sans Pro" panose="020B0503030403020204" pitchFamily="34" charset="0"/>
+                </a:rPr>
+                <a:t>(d)</a:t>
+              </a:r>
+            </a:p>
+          </p:txBody>
+        </p:sp>
+        <p:sp>
+          <p:nvSpPr>
+            <p:cNvPr id="21" name="TextBox 20">
+              <a:extLst>
+                <a:ext uri="{FF2B5EF4-FFF2-40B4-BE49-F238E27FC236}">
+                  <a16:creationId xmlns:a16="http://schemas.microsoft.com/office/drawing/2014/main" id="{F98AB5B3-DC6B-8B32-305D-E14D7EDECA43}"/>
+                </a:ext>
+              </a:extLst>
+            </p:cNvPr>
+            <p:cNvSpPr txBox="1"/>
+            <p:nvPr/>
+          </p:nvSpPr>
+          <p:spPr>
+            <a:xfrm>
+              <a:off x="3500491" y="3424714"/>
+              <a:ext cx="442750" cy="369332"/>
+            </a:xfrm>
+            <a:prstGeom prst="rect">
+              <a:avLst/>
+            </a:prstGeom>
+            <a:noFill/>
+          </p:spPr>
+          <p:txBody>
+            <a:bodyPr wrap="none" rtlCol="0">
+              <a:spAutoFit/>
+            </a:bodyPr>
+            <a:lstStyle/>
+            <a:p>
+              <a:r>
+                <a:rPr lang="en-US" dirty="0">
+                  <a:latin typeface="Source Sans Pro" panose="020B0503030403020204" pitchFamily="34" charset="0"/>
+                  <a:ea typeface="Source Sans Pro" panose="020B0503030403020204" pitchFamily="34" charset="0"/>
+                </a:rPr>
+                <a:t>(e)</a:t>
+              </a:r>
+            </a:p>
+          </p:txBody>
+        </p:sp>
+        <p:sp>
+          <p:nvSpPr>
+            <p:cNvPr id="22" name="TextBox 21">
+              <a:extLst>
+                <a:ext uri="{FF2B5EF4-FFF2-40B4-BE49-F238E27FC236}">
+                  <a16:creationId xmlns:a16="http://schemas.microsoft.com/office/drawing/2014/main" id="{962601B9-7BC8-E5F1-7C9E-F1AC8B3A9048}"/>
+                </a:ext>
+              </a:extLst>
+            </p:cNvPr>
+            <p:cNvSpPr txBox="1"/>
+            <p:nvPr/>
+          </p:nvSpPr>
+          <p:spPr>
+            <a:xfrm>
+              <a:off x="6895828" y="3474244"/>
+              <a:ext cx="393056" cy="369332"/>
+            </a:xfrm>
+            <a:prstGeom prst="rect">
+              <a:avLst/>
+            </a:prstGeom>
+            <a:noFill/>
+          </p:spPr>
+          <p:txBody>
+            <a:bodyPr wrap="none" rtlCol="0">
+              <a:spAutoFit/>
+            </a:bodyPr>
+            <a:lstStyle/>
+            <a:p>
+              <a:r>
+                <a:rPr lang="en-US" dirty="0">
+                  <a:latin typeface="Source Sans Pro" panose="020B0503030403020204" pitchFamily="34" charset="0"/>
+                  <a:ea typeface="Source Sans Pro" panose="020B0503030403020204" pitchFamily="34" charset="0"/>
+                </a:rPr>
+                <a:t>(f)</a:t>
+              </a:r>
+            </a:p>
+          </p:txBody>
+        </p:sp>
       </p:grpSp>
     </p:spTree>
     <p:extLst>
       <p:ext uri="{BB962C8B-B14F-4D97-AF65-F5344CB8AC3E}">
-        <p14:creationId xmlns:p14="http://schemas.microsoft.com/office/powerpoint/2010/main" val="670958313"/>
+        <p14:creationId xmlns:p14="http://schemas.microsoft.com/office/powerpoint/2010/main" val="2041007912"/>
+      </p:ext>
+    </p:extLst>
+  </p:cSld>
+  <p:clrMapOvr>
+    <a:masterClrMapping/>
+  </p:clrMapOvr>
+</p:sld>
+</file>
+
+<file path=ppt/slides/slide12.xml><?xml version="1.0" encoding="utf-8"?>
+<p:sld xmlns:a="http://schemas.openxmlformats.org/drawingml/2006/main" xmlns:r="http://schemas.openxmlformats.org/officeDocument/2006/relationships" xmlns:p="http://schemas.openxmlformats.org/presentationml/2006/main">
+  <p:cSld>
+    <p:spTree>
+      <p:nvGrpSpPr>
+        <p:cNvPr id="1" name=""/>
+        <p:cNvGrpSpPr/>
+        <p:nvPr/>
+      </p:nvGrpSpPr>
+      <p:grpSpPr>
+        <a:xfrm>
+          <a:off x="0" y="0"/>
+          <a:ext cx="0" cy="0"/>
+          <a:chOff x="0" y="0"/>
+          <a:chExt cx="0" cy="0"/>
+        </a:xfrm>
+      </p:grpSpPr>
+      <p:pic>
+        <p:nvPicPr>
+          <p:cNvPr id="3" name="Picture 2">
+            <a:extLst>
+              <a:ext uri="{FF2B5EF4-FFF2-40B4-BE49-F238E27FC236}">
+                <a16:creationId xmlns:a16="http://schemas.microsoft.com/office/drawing/2014/main" id="{DDED923A-D2C8-89A1-AB70-EB51FB531F99}"/>
+              </a:ext>
+            </a:extLst>
+          </p:cNvPr>
+          <p:cNvPicPr>
+            <a:picLocks noChangeAspect="1"/>
+          </p:cNvPicPr>
+          <p:nvPr/>
+        </p:nvPicPr>
+        <p:blipFill rotWithShape="1">
+          <a:blip r:embed="rId2"/>
+          <a:srcRect r="2254" b="4027"/>
+          <a:stretch/>
+        </p:blipFill>
+        <p:spPr>
+          <a:xfrm>
+            <a:off x="799395" y="0"/>
+            <a:ext cx="10354380" cy="6581775"/>
+          </a:xfrm>
+          <a:prstGeom prst="rect">
+            <a:avLst/>
+          </a:prstGeom>
+        </p:spPr>
+      </p:pic>
+    </p:spTree>
+    <p:extLst>
+      <p:ext uri="{BB962C8B-B14F-4D97-AF65-F5344CB8AC3E}">
+        <p14:creationId xmlns:p14="http://schemas.microsoft.com/office/powerpoint/2010/main" val="1084811701"/>
+      </p:ext>
+    </p:extLst>
+  </p:cSld>
+  <p:clrMapOvr>
+    <a:masterClrMapping/>
+  </p:clrMapOvr>
+</p:sld>
+</file>
+
+<file path=ppt/slides/slide2.xml><?xml version="1.0" encoding="utf-8"?>
+<p:sld xmlns:a="http://schemas.openxmlformats.org/drawingml/2006/main" xmlns:r="http://schemas.openxmlformats.org/officeDocument/2006/relationships" xmlns:p="http://schemas.openxmlformats.org/presentationml/2006/main">
+  <p:cSld>
+    <p:spTree>
+      <p:nvGrpSpPr>
+        <p:cNvPr id="1" name=""/>
+        <p:cNvGrpSpPr/>
+        <p:nvPr/>
+      </p:nvGrpSpPr>
+      <p:grpSpPr>
+        <a:xfrm>
+          <a:off x="0" y="0"/>
+          <a:ext cx="0" cy="0"/>
+          <a:chOff x="0" y="0"/>
+          <a:chExt cx="0" cy="0"/>
+        </a:xfrm>
+      </p:grpSpPr>
+      <p:pic>
+        <p:nvPicPr>
+          <p:cNvPr id="2" name="Picture 1">
+            <a:extLst>
+              <a:ext uri="{FF2B5EF4-FFF2-40B4-BE49-F238E27FC236}">
+                <a16:creationId xmlns:a16="http://schemas.microsoft.com/office/drawing/2014/main" id="{E59C3592-6BC9-5192-5AC9-DB8273E5F19E}"/>
+              </a:ext>
+            </a:extLst>
+          </p:cNvPr>
+          <p:cNvPicPr>
+            <a:picLocks noChangeAspect="1"/>
+          </p:cNvPicPr>
+          <p:nvPr/>
+        </p:nvPicPr>
+        <p:blipFill>
+          <a:blip r:embed="rId2"/>
+          <a:stretch>
+            <a:fillRect/>
+          </a:stretch>
+        </p:blipFill>
+        <p:spPr>
+          <a:xfrm>
+            <a:off x="1384829" y="0"/>
+            <a:ext cx="9422342" cy="6858000"/>
+          </a:xfrm>
+          <a:prstGeom prst="rect">
+            <a:avLst/>
+          </a:prstGeom>
+        </p:spPr>
+      </p:pic>
+    </p:spTree>
+    <p:extLst>
+      <p:ext uri="{BB962C8B-B14F-4D97-AF65-F5344CB8AC3E}">
+        <p14:creationId xmlns:p14="http://schemas.microsoft.com/office/powerpoint/2010/main" val="3673174606"/>
+      </p:ext>
+    </p:extLst>
+  </p:cSld>
+  <p:clrMapOvr>
+    <a:masterClrMapping/>
+  </p:clrMapOvr>
+</p:sld>
+</file>
+
+<file path=ppt/slides/slide3.xml><?xml version="1.0" encoding="utf-8"?>
+<p:sld xmlns:a="http://schemas.openxmlformats.org/drawingml/2006/main" xmlns:r="http://schemas.openxmlformats.org/officeDocument/2006/relationships" xmlns:p="http://schemas.openxmlformats.org/presentationml/2006/main">
+  <p:cSld>
+    <p:spTree>
+      <p:nvGrpSpPr>
+        <p:cNvPr id="1" name=""/>
+        <p:cNvGrpSpPr/>
+        <p:nvPr/>
+      </p:nvGrpSpPr>
+      <p:grpSpPr>
+        <a:xfrm>
+          <a:off x="0" y="0"/>
+          <a:ext cx="0" cy="0"/>
+          <a:chOff x="0" y="0"/>
+          <a:chExt cx="0" cy="0"/>
+        </a:xfrm>
+      </p:grpSpPr>
+      <p:pic>
+        <p:nvPicPr>
+          <p:cNvPr id="2" name="Picture 1">
+            <a:extLst>
+              <a:ext uri="{FF2B5EF4-FFF2-40B4-BE49-F238E27FC236}">
+                <a16:creationId xmlns:a16="http://schemas.microsoft.com/office/drawing/2014/main" id="{A0CF32BB-A264-DF62-D89D-B05C211750EF}"/>
+              </a:ext>
+            </a:extLst>
+          </p:cNvPr>
+          <p:cNvPicPr>
+            <a:picLocks noChangeAspect="1"/>
+          </p:cNvPicPr>
+          <p:nvPr/>
+        </p:nvPicPr>
+        <p:blipFill>
+          <a:blip r:embed="rId2"/>
+          <a:stretch>
+            <a:fillRect/>
+          </a:stretch>
+        </p:blipFill>
+        <p:spPr>
+          <a:xfrm>
+            <a:off x="4934611" y="3209525"/>
+            <a:ext cx="2322777" cy="438950"/>
+          </a:xfrm>
+          <a:prstGeom prst="rect">
+            <a:avLst/>
+          </a:prstGeom>
+        </p:spPr>
+      </p:pic>
+    </p:spTree>
+    <p:extLst>
+      <p:ext uri="{BB962C8B-B14F-4D97-AF65-F5344CB8AC3E}">
+        <p14:creationId xmlns:p14="http://schemas.microsoft.com/office/powerpoint/2010/main" val="1534467217"/>
       </p:ext>
     </p:extLst>
   </p:cSld>
@@ -4541,10 +5150,10 @@
       </p:grpSpPr>
       <p:grpSp>
         <p:nvGrpSpPr>
-          <p:cNvPr id="14" name="Group 13">
-            <a:extLst>
-              <a:ext uri="{FF2B5EF4-FFF2-40B4-BE49-F238E27FC236}">
-                <a16:creationId xmlns:a16="http://schemas.microsoft.com/office/drawing/2014/main" id="{1C0A0343-83FA-F878-9E06-62F314166E6F}"/>
+          <p:cNvPr id="11" name="Group 10">
+            <a:extLst>
+              <a:ext uri="{FF2B5EF4-FFF2-40B4-BE49-F238E27FC236}">
+                <a16:creationId xmlns:a16="http://schemas.microsoft.com/office/drawing/2014/main" id="{20B97F60-88DA-EE08-2295-4C6A4C0FBF90}"/>
               </a:ext>
             </a:extLst>
           </p:cNvPr>
@@ -4553,10 +5162,181 @@
         </p:nvGrpSpPr>
         <p:grpSpPr>
           <a:xfrm>
-            <a:off x="117097" y="123444"/>
-            <a:ext cx="11957805" cy="6611112"/>
-            <a:chOff x="117097" y="123444"/>
-            <a:chExt cx="11957805" cy="6611112"/>
+            <a:off x="994410" y="485775"/>
+            <a:ext cx="10206990" cy="5667376"/>
+            <a:chOff x="994410" y="485775"/>
+            <a:chExt cx="10206990" cy="5667376"/>
+          </a:xfrm>
+        </p:grpSpPr>
+        <p:sp>
+          <p:nvSpPr>
+            <p:cNvPr id="10" name="Rectangle 9">
+              <a:extLst>
+                <a:ext uri="{FF2B5EF4-FFF2-40B4-BE49-F238E27FC236}">
+                  <a16:creationId xmlns:a16="http://schemas.microsoft.com/office/drawing/2014/main" id="{DFD0C778-E97C-BEA8-D31B-7466921B1C27}"/>
+                </a:ext>
+              </a:extLst>
+            </p:cNvPr>
+            <p:cNvSpPr/>
+            <p:nvPr/>
+          </p:nvSpPr>
+          <p:spPr>
+            <a:xfrm>
+              <a:off x="994410" y="485775"/>
+              <a:ext cx="10206990" cy="5667376"/>
+            </a:xfrm>
+            <a:prstGeom prst="rect">
+              <a:avLst/>
+            </a:prstGeom>
+            <a:noFill/>
+            <a:ln>
+              <a:noFill/>
+            </a:ln>
+          </p:spPr>
+          <p:style>
+            <a:lnRef idx="2">
+              <a:schemeClr val="accent1">
+                <a:shade val="50000"/>
+              </a:schemeClr>
+            </a:lnRef>
+            <a:fillRef idx="1">
+              <a:schemeClr val="accent1"/>
+            </a:fillRef>
+            <a:effectRef idx="0">
+              <a:schemeClr val="accent1"/>
+            </a:effectRef>
+            <a:fontRef idx="minor">
+              <a:schemeClr val="lt1"/>
+            </a:fontRef>
+          </p:style>
+          <p:txBody>
+            <a:bodyPr rtlCol="0" anchor="ctr"/>
+            <a:lstStyle/>
+            <a:p>
+              <a:pPr algn="ctr"/>
+              <a:endParaRPr lang="en-US"/>
+            </a:p>
+          </p:txBody>
+        </p:sp>
+        <p:pic>
+          <p:nvPicPr>
+            <p:cNvPr id="3" name="Picture 2" descr="Diagram, engineering drawing, schematic&#10;&#10;Description automatically generated">
+              <a:extLst>
+                <a:ext uri="{FF2B5EF4-FFF2-40B4-BE49-F238E27FC236}">
+                  <a16:creationId xmlns:a16="http://schemas.microsoft.com/office/drawing/2014/main" id="{16C12C3E-929F-7977-B7C5-74A4427B6B58}"/>
+                </a:ext>
+              </a:extLst>
+            </p:cNvPr>
+            <p:cNvPicPr>
+              <a:picLocks noChangeAspect="1"/>
+            </p:cNvPicPr>
+            <p:nvPr/>
+          </p:nvPicPr>
+          <p:blipFill rotWithShape="1">
+            <a:blip r:embed="rId2">
+              <a:extLst>
+                <a:ext uri="{28A0092B-C50C-407E-A947-70E740481C1C}">
+                  <a14:useLocalDpi xmlns:a14="http://schemas.microsoft.com/office/drawing/2010/main" val="0"/>
+                </a:ext>
+              </a:extLst>
+            </a:blip>
+            <a:srcRect l="9187" t="4558" r="7750" b="36159"/>
+            <a:stretch/>
+          </p:blipFill>
+          <p:spPr>
+            <a:xfrm>
+              <a:off x="1032510" y="609600"/>
+              <a:ext cx="10126980" cy="3688080"/>
+            </a:xfrm>
+            <a:prstGeom prst="rect">
+              <a:avLst/>
+            </a:prstGeom>
+          </p:spPr>
+        </p:pic>
+        <p:pic>
+          <p:nvPicPr>
+            <p:cNvPr id="9" name="Picture 8" descr="Diagram, engineering drawing, schematic&#10;&#10;Description automatically generated">
+              <a:extLst>
+                <a:ext uri="{FF2B5EF4-FFF2-40B4-BE49-F238E27FC236}">
+                  <a16:creationId xmlns:a16="http://schemas.microsoft.com/office/drawing/2014/main" id="{28E3B88B-1F6D-F339-C143-34EF8A17E80E}"/>
+                </a:ext>
+              </a:extLst>
+            </p:cNvPr>
+            <p:cNvPicPr>
+              <a:picLocks noChangeAspect="1"/>
+            </p:cNvPicPr>
+            <p:nvPr/>
+          </p:nvPicPr>
+          <p:blipFill rotWithShape="1">
+            <a:blip r:embed="rId2">
+              <a:extLst>
+                <a:ext uri="{28A0092B-C50C-407E-A947-70E740481C1C}">
+                  <a14:useLocalDpi xmlns:a14="http://schemas.microsoft.com/office/drawing/2010/main" val="0"/>
+                </a:ext>
+              </a:extLst>
+            </a:blip>
+            <a:srcRect l="8468" t="65770" r="28515" b="6058"/>
+            <a:stretch/>
+          </p:blipFill>
+          <p:spPr>
+            <a:xfrm>
+              <a:off x="2185035" y="4297680"/>
+              <a:ext cx="7682865" cy="1752600"/>
+            </a:xfrm>
+            <a:prstGeom prst="rect">
+              <a:avLst/>
+            </a:prstGeom>
+          </p:spPr>
+        </p:pic>
+      </p:grpSp>
+    </p:spTree>
+    <p:extLst>
+      <p:ext uri="{BB962C8B-B14F-4D97-AF65-F5344CB8AC3E}">
+        <p14:creationId xmlns:p14="http://schemas.microsoft.com/office/powerpoint/2010/main" val="670958313"/>
+      </p:ext>
+    </p:extLst>
+  </p:cSld>
+  <p:clrMapOvr>
+    <a:masterClrMapping/>
+  </p:clrMapOvr>
+</p:sld>
+</file>
+
+<file path=ppt/slides/slide5.xml><?xml version="1.0" encoding="utf-8"?>
+<p:sld xmlns:a="http://schemas.openxmlformats.org/drawingml/2006/main" xmlns:r="http://schemas.openxmlformats.org/officeDocument/2006/relationships" xmlns:p="http://schemas.openxmlformats.org/presentationml/2006/main">
+  <p:cSld>
+    <p:spTree>
+      <p:nvGrpSpPr>
+        <p:cNvPr id="1" name=""/>
+        <p:cNvGrpSpPr/>
+        <p:nvPr/>
+      </p:nvGrpSpPr>
+      <p:grpSpPr>
+        <a:xfrm>
+          <a:off x="0" y="0"/>
+          <a:ext cx="0" cy="0"/>
+          <a:chOff x="0" y="0"/>
+          <a:chExt cx="0" cy="0"/>
+        </a:xfrm>
+      </p:grpSpPr>
+      <p:grpSp>
+        <p:nvGrpSpPr>
+          <p:cNvPr id="14" name="Group 13">
+            <a:extLst>
+              <a:ext uri="{FF2B5EF4-FFF2-40B4-BE49-F238E27FC236}">
+                <a16:creationId xmlns:a16="http://schemas.microsoft.com/office/drawing/2014/main" id="{1C0A0343-83FA-F878-9E06-62F314166E6F}"/>
+              </a:ext>
+            </a:extLst>
+          </p:cNvPr>
+          <p:cNvGrpSpPr/>
+          <p:nvPr/>
+        </p:nvGrpSpPr>
+        <p:grpSpPr>
+          <a:xfrm>
+            <a:off x="140443" y="123444"/>
+            <a:ext cx="11911112" cy="6611112"/>
+            <a:chOff x="140443" y="123444"/>
+            <a:chExt cx="11911112" cy="6611112"/>
           </a:xfrm>
         </p:grpSpPr>
         <p:pic>
@@ -4574,15 +5354,23 @@
             <p:nvPr/>
           </p:nvPicPr>
           <p:blipFill>
-            <a:blip r:embed="rId2"/>
-            <a:stretch>
-              <a:fillRect/>
-            </a:stretch>
+            <a:blip r:embed="rId2">
+              <a:extLst>
+                <a:ext uri="{28A0092B-C50C-407E-A947-70E740481C1C}">
+                  <a14:useLocalDpi xmlns:a14="http://schemas.microsoft.com/office/drawing/2010/main" val="0"/>
+                </a:ext>
+                <a:ext uri="{96DAC541-7B7A-43D3-8B79-37D633B846F1}">
+                  <asvg:svgBlip xmlns:asvg="http://schemas.microsoft.com/office/drawing/2016/SVG/main" r:embed="rId3"/>
+                </a:ext>
+              </a:extLst>
+            </a:blip>
+            <a:srcRect/>
+            <a:stretch/>
           </p:blipFill>
           <p:spPr>
             <a:xfrm>
-              <a:off x="117097" y="123444"/>
-              <a:ext cx="11957805" cy="6611112"/>
+              <a:off x="140443" y="123444"/>
+              <a:ext cx="11911112" cy="6611112"/>
             </a:xfrm>
             <a:prstGeom prst="rect">
               <a:avLst/>
@@ -4755,7 +5543,7 @@
           </p:nvSpPr>
           <p:spPr>
             <a:xfrm>
-              <a:off x="279933" y="2174600"/>
+              <a:off x="280063" y="2359266"/>
               <a:ext cx="442750" cy="369332"/>
             </a:xfrm>
             <a:prstGeom prst="rect">
@@ -4793,7 +5581,7 @@
           </p:nvSpPr>
           <p:spPr>
             <a:xfrm>
-              <a:off x="3225091" y="2174600"/>
+              <a:off x="3234954" y="2359266"/>
               <a:ext cx="393056" cy="369332"/>
             </a:xfrm>
             <a:prstGeom prst="rect">
@@ -4831,7 +5619,7 @@
           </p:nvSpPr>
           <p:spPr>
             <a:xfrm>
-              <a:off x="5992513" y="2174600"/>
+              <a:off x="5990449" y="2388598"/>
               <a:ext cx="442750" cy="369332"/>
             </a:xfrm>
             <a:prstGeom prst="rect">
@@ -4869,7 +5657,7 @@
           </p:nvSpPr>
           <p:spPr>
             <a:xfrm>
-              <a:off x="9113520" y="2174600"/>
+              <a:off x="9113520" y="2388598"/>
               <a:ext cx="450764" cy="369332"/>
             </a:xfrm>
             <a:prstGeom prst="rect">
@@ -4907,7 +5695,7 @@
           </p:nvSpPr>
           <p:spPr>
             <a:xfrm>
-              <a:off x="1459992" y="4424024"/>
+              <a:off x="1431417" y="4424024"/>
               <a:ext cx="381836" cy="369332"/>
             </a:xfrm>
             <a:prstGeom prst="rect">
@@ -5021,7 +5809,7 @@
 </p:sld>
 </file>
 
-<file path=ppt/slides/slide5.xml><?xml version="1.0" encoding="utf-8"?>
+<file path=ppt/slides/slide6.xml><?xml version="1.0" encoding="utf-8"?>
 <p:sld xmlns:a="http://schemas.openxmlformats.org/drawingml/2006/main" xmlns:r="http://schemas.openxmlformats.org/officeDocument/2006/relationships" xmlns:p="http://schemas.openxmlformats.org/presentationml/2006/main">
   <p:cSld>
     <p:spTree>
@@ -5040,10 +5828,10 @@
       </p:grpSpPr>
       <p:pic>
         <p:nvPicPr>
-          <p:cNvPr id="2" name="Picture 1">
-            <a:extLst>
-              <a:ext uri="{FF2B5EF4-FFF2-40B4-BE49-F238E27FC236}">
-                <a16:creationId xmlns:a16="http://schemas.microsoft.com/office/drawing/2014/main" id="{ADCF7541-6B6E-F3A5-11A8-2220428BBABB}"/>
+          <p:cNvPr id="3" name="Picture 2">
+            <a:extLst>
+              <a:ext uri="{FF2B5EF4-FFF2-40B4-BE49-F238E27FC236}">
+                <a16:creationId xmlns:a16="http://schemas.microsoft.com/office/drawing/2014/main" id="{5B946CF5-B867-B930-AFAF-A0BA5B669DB3}"/>
               </a:ext>
             </a:extLst>
           </p:cNvPr>
@@ -5060,8 +5848,8 @@
         </p:blipFill>
         <p:spPr>
           <a:xfrm>
-            <a:off x="115305" y="121633"/>
-            <a:ext cx="11961389" cy="6614733"/>
+            <a:off x="139692" y="121633"/>
+            <a:ext cx="11912616" cy="6614733"/>
           </a:xfrm>
           <a:prstGeom prst="rect">
             <a:avLst/>
@@ -5081,7 +5869,7 @@
 </p:sld>
 </file>
 
-<file path=ppt/slides/slide6.xml><?xml version="1.0" encoding="utf-8"?>
+<file path=ppt/slides/slide7.xml><?xml version="1.0" encoding="utf-8"?>
 <p:sld xmlns:a="http://schemas.openxmlformats.org/drawingml/2006/main" xmlns:r="http://schemas.openxmlformats.org/officeDocument/2006/relationships" xmlns:p="http://schemas.openxmlformats.org/presentationml/2006/main">
   <p:cSld>
     <p:spTree>
@@ -5112,10 +5900,10 @@
         </p:nvGrpSpPr>
         <p:grpSpPr>
           <a:xfrm>
-            <a:off x="-226870" y="1013982"/>
-            <a:ext cx="12620997" cy="3411450"/>
-            <a:chOff x="-226870" y="1013982"/>
-            <a:chExt cx="12620997" cy="3411450"/>
+            <a:off x="0" y="1011083"/>
+            <a:ext cx="12656271" cy="3411445"/>
+            <a:chOff x="-186517" y="1013980"/>
+            <a:chExt cx="12656271" cy="3411445"/>
           </a:xfrm>
         </p:grpSpPr>
         <p:sp>
@@ -5192,12 +5980,12 @@
                 </a:ext>
               </a:extLst>
             </a:blip>
-            <a:srcRect l="10095" r="63505"/>
+            <a:srcRect l="6668" r="61356"/>
             <a:stretch/>
           </p:blipFill>
           <p:spPr>
             <a:xfrm>
-              <a:off x="-186516" y="1013987"/>
+              <a:off x="-126539" y="1013980"/>
               <a:ext cx="4240959" cy="3411445"/>
             </a:xfrm>
             <a:prstGeom prst="rect">
@@ -5219,7 +6007,7 @@
             </p:cNvPicPr>
             <p:nvPr/>
           </p:nvPicPr>
-          <p:blipFill rotWithShape="1">
+          <p:blipFill>
             <a:blip r:embed="rId2">
               <a:extLst>
                 <a:ext uri="{28A0092B-C50C-407E-A947-70E740481C1C}">
@@ -5227,12 +6015,12 @@
                 </a:ext>
               </a:extLst>
             </a:blip>
-            <a:srcRect l="37970" r="35388"/>
+            <a:srcRect l="33865" r="33865"/>
             <a:stretch/>
           </p:blipFill>
           <p:spPr>
             <a:xfrm>
-              <a:off x="4054443" y="1013987"/>
+              <a:off x="3903187" y="1013981"/>
               <a:ext cx="4279746" cy="3411444"/>
             </a:xfrm>
             <a:prstGeom prst="rect">
@@ -5262,12 +6050,12 @@
                 </a:ext>
               </a:extLst>
             </a:blip>
-            <a:srcRect l="66715" r="8011"/>
+            <a:srcRect l="66135" r="3253"/>
             <a:stretch/>
           </p:blipFill>
           <p:spPr>
             <a:xfrm>
-              <a:off x="8334188" y="1013985"/>
+              <a:off x="8409815" y="1013982"/>
               <a:ext cx="4059939" cy="3411443"/>
             </a:xfrm>
             <a:prstGeom prst="rect">
@@ -5289,7 +6077,7 @@
           </p:nvSpPr>
           <p:spPr>
             <a:xfrm>
-              <a:off x="-226870" y="1013985"/>
+              <a:off x="269021" y="1013982"/>
               <a:ext cx="442750" cy="369332"/>
             </a:xfrm>
             <a:prstGeom prst="rect">
@@ -5327,7 +6115,7 @@
           </p:nvSpPr>
           <p:spPr>
             <a:xfrm>
-              <a:off x="4094797" y="1013985"/>
+              <a:off x="4265675" y="1013982"/>
               <a:ext cx="453970" cy="369332"/>
             </a:xfrm>
             <a:prstGeom prst="rect">
@@ -5365,7 +6153,7 @@
           </p:nvSpPr>
           <p:spPr>
             <a:xfrm>
-              <a:off x="8231301" y="1013982"/>
+              <a:off x="8334188" y="1013982"/>
               <a:ext cx="442750" cy="369332"/>
             </a:xfrm>
             <a:prstGeom prst="rect">
@@ -5390,6 +6178,58 @@
           </p:txBody>
         </p:sp>
       </p:grpSp>
+      <p:sp>
+        <p:nvSpPr>
+          <p:cNvPr id="2" name="Rectangle 1">
+            <a:extLst>
+              <a:ext uri="{FF2B5EF4-FFF2-40B4-BE49-F238E27FC236}">
+                <a16:creationId xmlns:a16="http://schemas.microsoft.com/office/drawing/2014/main" id="{F48FB429-2C23-C4B5-8B6C-1F51ACF4F428}"/>
+              </a:ext>
+            </a:extLst>
+          </p:cNvPr>
+          <p:cNvSpPr/>
+          <p:nvPr/>
+        </p:nvSpPr>
+        <p:spPr>
+          <a:xfrm>
+            <a:off x="3905250" y="4000500"/>
+            <a:ext cx="453970" cy="369332"/>
+          </a:xfrm>
+          <a:prstGeom prst="rect">
+            <a:avLst/>
+          </a:prstGeom>
+          <a:solidFill>
+            <a:schemeClr val="bg1"/>
+          </a:solidFill>
+          <a:ln>
+            <a:noFill/>
+          </a:ln>
+        </p:spPr>
+        <p:style>
+          <a:lnRef idx="2">
+            <a:schemeClr val="accent1">
+              <a:shade val="50000"/>
+            </a:schemeClr>
+          </a:lnRef>
+          <a:fillRef idx="1">
+            <a:schemeClr val="accent1"/>
+          </a:fillRef>
+          <a:effectRef idx="0">
+            <a:schemeClr val="accent1"/>
+          </a:effectRef>
+          <a:fontRef idx="minor">
+            <a:schemeClr val="lt1"/>
+          </a:fontRef>
+        </p:style>
+        <p:txBody>
+          <a:bodyPr rtlCol="0" anchor="ctr"/>
+          <a:lstStyle/>
+          <a:p>
+            <a:pPr algn="ctr"/>
+            <a:endParaRPr lang="en-US"/>
+          </a:p>
+        </p:txBody>
+      </p:sp>
     </p:spTree>
     <p:extLst>
       <p:ext uri="{BB962C8B-B14F-4D97-AF65-F5344CB8AC3E}">
@@ -5403,7 +6243,7 @@
 </p:sld>
 </file>
 
-<file path=ppt/slides/slide7.xml><?xml version="1.0" encoding="utf-8"?>
+<file path=ppt/slides/slide8.xml><?xml version="1.0" encoding="utf-8"?>
 <p:sld xmlns:a="http://schemas.openxmlformats.org/drawingml/2006/main" xmlns:r="http://schemas.openxmlformats.org/officeDocument/2006/relationships" xmlns:p="http://schemas.openxmlformats.org/presentationml/2006/main">
   <p:cSld>
     <p:spTree>
@@ -5422,10 +6262,10 @@
       </p:grpSpPr>
       <p:pic>
         <p:nvPicPr>
-          <p:cNvPr id="2" name="Picture 1">
-            <a:extLst>
-              <a:ext uri="{FF2B5EF4-FFF2-40B4-BE49-F238E27FC236}">
-                <a16:creationId xmlns:a16="http://schemas.microsoft.com/office/drawing/2014/main" id="{8CA5DD6F-01F9-A089-ADCA-8E2F1B296A54}"/>
+          <p:cNvPr id="4" name="Picture 3">
+            <a:extLst>
+              <a:ext uri="{FF2B5EF4-FFF2-40B4-BE49-F238E27FC236}">
+                <a16:creationId xmlns:a16="http://schemas.microsoft.com/office/drawing/2014/main" id="{08B7EB25-A6C4-91E6-3DF9-A53BCF737D77}"/>
               </a:ext>
             </a:extLst>
           </p:cNvPr>
@@ -5434,16 +6274,15 @@
           </p:cNvPicPr>
           <p:nvPr/>
         </p:nvPicPr>
-        <p:blipFill>
+        <p:blipFill rotWithShape="1">
           <a:blip r:embed="rId2"/>
-          <a:stretch>
-            <a:fillRect/>
-          </a:stretch>
+          <a:srcRect l="3594" r="4843"/>
+          <a:stretch/>
         </p:blipFill>
         <p:spPr>
           <a:xfrm>
-            <a:off x="0" y="1772318"/>
-            <a:ext cx="12192000" cy="3313363"/>
+            <a:off x="95250" y="1417499"/>
+            <a:ext cx="11163300" cy="3318151"/>
           </a:xfrm>
           <a:prstGeom prst="rect">
             <a:avLst/>
@@ -5463,7 +6302,7 @@
 </p:sld>
 </file>
 
-<file path=ppt/slides/slide8.xml><?xml version="1.0" encoding="utf-8"?>
+<file path=ppt/slides/slide9.xml><?xml version="1.0" encoding="utf-8"?>
 <p:sld xmlns:a="http://schemas.openxmlformats.org/drawingml/2006/main" xmlns:r="http://schemas.openxmlformats.org/officeDocument/2006/relationships" xmlns:p="http://schemas.openxmlformats.org/presentationml/2006/main">
   <p:cSld>
     <p:spTree>
@@ -5703,66 +6542,6 @@
     <p:extLst>
       <p:ext uri="{BB962C8B-B14F-4D97-AF65-F5344CB8AC3E}">
         <p14:creationId xmlns:p14="http://schemas.microsoft.com/office/powerpoint/2010/main" val="688895478"/>
-      </p:ext>
-    </p:extLst>
-  </p:cSld>
-  <p:clrMapOvr>
-    <a:masterClrMapping/>
-  </p:clrMapOvr>
-</p:sld>
-</file>
-
-<file path=ppt/slides/slide9.xml><?xml version="1.0" encoding="utf-8"?>
-<p:sld xmlns:a="http://schemas.openxmlformats.org/drawingml/2006/main" xmlns:r="http://schemas.openxmlformats.org/officeDocument/2006/relationships" xmlns:p="http://schemas.openxmlformats.org/presentationml/2006/main">
-  <p:cSld>
-    <p:spTree>
-      <p:nvGrpSpPr>
-        <p:cNvPr id="1" name=""/>
-        <p:cNvGrpSpPr/>
-        <p:nvPr/>
-      </p:nvGrpSpPr>
-      <p:grpSpPr>
-        <a:xfrm>
-          <a:off x="0" y="0"/>
-          <a:ext cx="0" cy="0"/>
-          <a:chOff x="0" y="0"/>
-          <a:chExt cx="0" cy="0"/>
-        </a:xfrm>
-      </p:grpSpPr>
-      <p:pic>
-        <p:nvPicPr>
-          <p:cNvPr id="3" name="Picture 2">
-            <a:extLst>
-              <a:ext uri="{FF2B5EF4-FFF2-40B4-BE49-F238E27FC236}">
-                <a16:creationId xmlns:a16="http://schemas.microsoft.com/office/drawing/2014/main" id="{8D2FFED1-2A1C-6EA7-E3FC-EBEA5280F8D8}"/>
-              </a:ext>
-            </a:extLst>
-          </p:cNvPr>
-          <p:cNvPicPr>
-            <a:picLocks noChangeAspect="1"/>
-          </p:cNvPicPr>
-          <p:nvPr/>
-        </p:nvPicPr>
-        <p:blipFill>
-          <a:blip r:embed="rId2"/>
-          <a:stretch>
-            <a:fillRect/>
-          </a:stretch>
-        </p:blipFill>
-        <p:spPr>
-          <a:xfrm>
-            <a:off x="-1868555" y="300790"/>
-            <a:ext cx="12768620" cy="5015086"/>
-          </a:xfrm>
-          <a:prstGeom prst="rect">
-            <a:avLst/>
-          </a:prstGeom>
-        </p:spPr>
-      </p:pic>
-    </p:spTree>
-    <p:extLst>
-      <p:ext uri="{BB962C8B-B14F-4D97-AF65-F5344CB8AC3E}">
-        <p14:creationId xmlns:p14="http://schemas.microsoft.com/office/powerpoint/2010/main" val="3468435351"/>
       </p:ext>
     </p:extLst>
   </p:cSld>
